--- a/Calendario2025/presentaciones/8_Strings.pptx
+++ b/Calendario2025/presentaciones/8_Strings.pptx
@@ -224,7 +224,7 @@
           <a:p>
             <a:fld id="{55C7BC42-2F9C-4966-894F-B6FA6F3C1DB8}" type="datetimeFigureOut">
               <a:rPr lang="es-MX" smtClean="0"/>
-              <a:t>17/08/2022</a:t>
+              <a:t>27/02/2025</a:t>
             </a:fld>
             <a:endParaRPr lang="es-MX" dirty="0"/>
           </a:p>
@@ -383,7 +383,7 @@
           <a:p>
             <a:fld id="{22F32190-7968-4437-BE88-4F1E072F1C89}" type="slidenum">
               <a:rPr lang="es-MX" smtClean="0"/>
-              <a:t>‹Nº›</a:t>
+              <a:t>‹#›</a:t>
             </a:fld>
             <a:endParaRPr lang="es-MX" dirty="0"/>
           </a:p>
@@ -841,7 +841,7 @@
           <a:p>
             <a:fld id="{47016A6E-E1CA-4694-BCEE-11D49EEFA04C}" type="datetimeFigureOut">
               <a:rPr lang="es-MX" smtClean="0"/>
-              <a:t>17/08/2022</a:t>
+              <a:t>27/02/2025</a:t>
             </a:fld>
             <a:endParaRPr lang="es-MX" dirty="0"/>
           </a:p>
@@ -883,7 +883,7 @@
           <a:p>
             <a:fld id="{A3EDD56B-262A-460B-B003-97EE50A0783D}" type="slidenum">
               <a:rPr lang="es-MX" smtClean="0"/>
-              <a:t>‹Nº›</a:t>
+              <a:t>‹#›</a:t>
             </a:fld>
             <a:endParaRPr lang="es-MX" dirty="0"/>
           </a:p>
@@ -1011,7 +1011,7 @@
           <a:p>
             <a:fld id="{47016A6E-E1CA-4694-BCEE-11D49EEFA04C}" type="datetimeFigureOut">
               <a:rPr lang="es-MX" smtClean="0"/>
-              <a:t>17/08/2022</a:t>
+              <a:t>27/02/2025</a:t>
             </a:fld>
             <a:endParaRPr lang="es-MX" dirty="0"/>
           </a:p>
@@ -1053,7 +1053,7 @@
           <a:p>
             <a:fld id="{A3EDD56B-262A-460B-B003-97EE50A0783D}" type="slidenum">
               <a:rPr lang="es-MX" smtClean="0"/>
-              <a:t>‹Nº›</a:t>
+              <a:t>‹#›</a:t>
             </a:fld>
             <a:endParaRPr lang="es-MX" dirty="0"/>
           </a:p>
@@ -1191,7 +1191,7 @@
           <a:p>
             <a:fld id="{47016A6E-E1CA-4694-BCEE-11D49EEFA04C}" type="datetimeFigureOut">
               <a:rPr lang="es-MX" smtClean="0"/>
-              <a:t>17/08/2022</a:t>
+              <a:t>27/02/2025</a:t>
             </a:fld>
             <a:endParaRPr lang="es-MX" dirty="0"/>
           </a:p>
@@ -1233,7 +1233,7 @@
           <a:p>
             <a:fld id="{A3EDD56B-262A-460B-B003-97EE50A0783D}" type="slidenum">
               <a:rPr lang="es-MX" smtClean="0"/>
-              <a:t>‹Nº›</a:t>
+              <a:t>‹#›</a:t>
             </a:fld>
             <a:endParaRPr lang="es-MX" dirty="0"/>
           </a:p>
@@ -1344,7 +1344,7 @@
           <a:p>
             <a:fld id="{1D8BD707-D9CF-40AE-B4C6-C98DA3205C09}" type="datetimeFigureOut">
               <a:rPr lang="en-US" smtClean="0"/>
-              <a:t>8/17/2022</a:t>
+              <a:t>2/27/2025</a:t>
             </a:fld>
             <a:endParaRPr lang="en-US"/>
           </a:p>
@@ -1374,7 +1374,7 @@
                 <a:cs typeface="Calibri"/>
               </a:rPr>
               <a:pPr marL="25400"/>
-              <a:t>‹Nº›</a:t>
+              <a:t>‹#›</a:t>
             </a:fld>
             <a:endParaRPr lang="es-MX">
               <a:cs typeface="Calibri"/>
@@ -1504,7 +1504,7 @@
           <a:p>
             <a:fld id="{47016A6E-E1CA-4694-BCEE-11D49EEFA04C}" type="datetimeFigureOut">
               <a:rPr lang="es-MX" smtClean="0"/>
-              <a:t>17/08/2022</a:t>
+              <a:t>27/02/2025</a:t>
             </a:fld>
             <a:endParaRPr lang="es-MX" dirty="0"/>
           </a:p>
@@ -1546,7 +1546,7 @@
           <a:p>
             <a:fld id="{A3EDD56B-262A-460B-B003-97EE50A0783D}" type="slidenum">
               <a:rPr lang="es-MX" smtClean="0"/>
-              <a:t>‹Nº›</a:t>
+              <a:t>‹#›</a:t>
             </a:fld>
             <a:endParaRPr lang="es-MX" dirty="0"/>
           </a:p>
@@ -1750,7 +1750,7 @@
           <a:p>
             <a:fld id="{47016A6E-E1CA-4694-BCEE-11D49EEFA04C}" type="datetimeFigureOut">
               <a:rPr lang="es-MX" smtClean="0"/>
-              <a:t>17/08/2022</a:t>
+              <a:t>27/02/2025</a:t>
             </a:fld>
             <a:endParaRPr lang="es-MX" dirty="0"/>
           </a:p>
@@ -1792,7 +1792,7 @@
           <a:p>
             <a:fld id="{A3EDD56B-262A-460B-B003-97EE50A0783D}" type="slidenum">
               <a:rPr lang="es-MX" smtClean="0"/>
-              <a:t>‹Nº›</a:t>
+              <a:t>‹#›</a:t>
             </a:fld>
             <a:endParaRPr lang="es-MX" dirty="0"/>
           </a:p>
@@ -2038,7 +2038,7 @@
           <a:p>
             <a:fld id="{47016A6E-E1CA-4694-BCEE-11D49EEFA04C}" type="datetimeFigureOut">
               <a:rPr lang="es-MX" smtClean="0"/>
-              <a:t>17/08/2022</a:t>
+              <a:t>27/02/2025</a:t>
             </a:fld>
             <a:endParaRPr lang="es-MX" dirty="0"/>
           </a:p>
@@ -2080,7 +2080,7 @@
           <a:p>
             <a:fld id="{A3EDD56B-262A-460B-B003-97EE50A0783D}" type="slidenum">
               <a:rPr lang="es-MX" smtClean="0"/>
-              <a:t>‹Nº›</a:t>
+              <a:t>‹#›</a:t>
             </a:fld>
             <a:endParaRPr lang="es-MX" dirty="0"/>
           </a:p>
@@ -2460,7 +2460,7 @@
           <a:p>
             <a:fld id="{47016A6E-E1CA-4694-BCEE-11D49EEFA04C}" type="datetimeFigureOut">
               <a:rPr lang="es-MX" smtClean="0"/>
-              <a:t>17/08/2022</a:t>
+              <a:t>27/02/2025</a:t>
             </a:fld>
             <a:endParaRPr lang="es-MX" dirty="0"/>
           </a:p>
@@ -2502,7 +2502,7 @@
           <a:p>
             <a:fld id="{A3EDD56B-262A-460B-B003-97EE50A0783D}" type="slidenum">
               <a:rPr lang="es-MX" smtClean="0"/>
-              <a:t>‹Nº›</a:t>
+              <a:t>‹#›</a:t>
             </a:fld>
             <a:endParaRPr lang="es-MX" dirty="0"/>
           </a:p>
@@ -2578,7 +2578,7 @@
           <a:p>
             <a:fld id="{47016A6E-E1CA-4694-BCEE-11D49EEFA04C}" type="datetimeFigureOut">
               <a:rPr lang="es-MX" smtClean="0"/>
-              <a:t>17/08/2022</a:t>
+              <a:t>27/02/2025</a:t>
             </a:fld>
             <a:endParaRPr lang="es-MX" dirty="0"/>
           </a:p>
@@ -2620,7 +2620,7 @@
           <a:p>
             <a:fld id="{A3EDD56B-262A-460B-B003-97EE50A0783D}" type="slidenum">
               <a:rPr lang="es-MX" smtClean="0"/>
-              <a:t>‹Nº›</a:t>
+              <a:t>‹#›</a:t>
             </a:fld>
             <a:endParaRPr lang="es-MX" dirty="0"/>
           </a:p>
@@ -2673,7 +2673,7 @@
           <a:p>
             <a:fld id="{47016A6E-E1CA-4694-BCEE-11D49EEFA04C}" type="datetimeFigureOut">
               <a:rPr lang="es-MX" smtClean="0"/>
-              <a:t>17/08/2022</a:t>
+              <a:t>27/02/2025</a:t>
             </a:fld>
             <a:endParaRPr lang="es-MX" dirty="0"/>
           </a:p>
@@ -2715,7 +2715,7 @@
           <a:p>
             <a:fld id="{A3EDD56B-262A-460B-B003-97EE50A0783D}" type="slidenum">
               <a:rPr lang="es-MX" smtClean="0"/>
-              <a:t>‹Nº›</a:t>
+              <a:t>‹#›</a:t>
             </a:fld>
             <a:endParaRPr lang="es-MX" dirty="0"/>
           </a:p>
@@ -2950,7 +2950,7 @@
           <a:p>
             <a:fld id="{47016A6E-E1CA-4694-BCEE-11D49EEFA04C}" type="datetimeFigureOut">
               <a:rPr lang="es-MX" smtClean="0"/>
-              <a:t>17/08/2022</a:t>
+              <a:t>27/02/2025</a:t>
             </a:fld>
             <a:endParaRPr lang="es-MX" dirty="0"/>
           </a:p>
@@ -2992,7 +2992,7 @@
           <a:p>
             <a:fld id="{A3EDD56B-262A-460B-B003-97EE50A0783D}" type="slidenum">
               <a:rPr lang="es-MX" smtClean="0"/>
-              <a:t>‹Nº›</a:t>
+              <a:t>‹#›</a:t>
             </a:fld>
             <a:endParaRPr lang="es-MX" dirty="0"/>
           </a:p>
@@ -3203,7 +3203,7 @@
           <a:p>
             <a:fld id="{47016A6E-E1CA-4694-BCEE-11D49EEFA04C}" type="datetimeFigureOut">
               <a:rPr lang="es-MX" smtClean="0"/>
-              <a:t>17/08/2022</a:t>
+              <a:t>27/02/2025</a:t>
             </a:fld>
             <a:endParaRPr lang="es-MX" dirty="0"/>
           </a:p>
@@ -3245,7 +3245,7 @@
           <a:p>
             <a:fld id="{A3EDD56B-262A-460B-B003-97EE50A0783D}" type="slidenum">
               <a:rPr lang="es-MX" smtClean="0"/>
-              <a:t>‹Nº›</a:t>
+              <a:t>‹#›</a:t>
             </a:fld>
             <a:endParaRPr lang="es-MX" dirty="0"/>
           </a:p>
@@ -3416,7 +3416,7 @@
           <a:p>
             <a:fld id="{47016A6E-E1CA-4694-BCEE-11D49EEFA04C}" type="datetimeFigureOut">
               <a:rPr lang="es-MX" smtClean="0"/>
-              <a:t>17/08/2022</a:t>
+              <a:t>27/02/2025</a:t>
             </a:fld>
             <a:endParaRPr lang="es-MX" dirty="0"/>
           </a:p>
@@ -3494,7 +3494,7 @@
           <a:p>
             <a:fld id="{A3EDD56B-262A-460B-B003-97EE50A0783D}" type="slidenum">
               <a:rPr lang="es-MX" smtClean="0"/>
-              <a:t>‹Nº›</a:t>
+              <a:t>‹#›</a:t>
             </a:fld>
             <a:endParaRPr lang="es-MX" dirty="0"/>
           </a:p>
@@ -14766,7 +14766,7 @@
         <p:spPr bwMode="auto">
           <a:xfrm>
             <a:off x="1187624" y="1484784"/>
-            <a:ext cx="7056784" cy="3901774"/>
+            <a:ext cx="7056784" cy="3517053"/>
           </a:xfrm>
           <a:prstGeom prst="rect">
             <a:avLst/>
@@ -14964,19 +14964,43 @@
               <a:rPr lang="es-ES_tradnl" sz="2000" dirty="0">
                 <a:latin typeface="Arial" pitchFamily="34" charset="0"/>
               </a:rPr>
-              <a:t>    </a:t>
+              <a:t>     </a:t>
             </a:r>
             <a:r>
               <a:rPr lang="es-ES_tradnl" sz="2000" dirty="0" err="1">
                 <a:latin typeface="Arial" pitchFamily="34" charset="0"/>
               </a:rPr>
-              <a:t>cont</a:t>
+              <a:t>for</a:t>
             </a:r>
             <a:r>
               <a:rPr lang="es-ES_tradnl" sz="2000" dirty="0">
                 <a:latin typeface="Arial" pitchFamily="34" charset="0"/>
               </a:rPr>
-              <a:t> = 0</a:t>
+              <a:t> i in </a:t>
+            </a:r>
+            <a:r>
+              <a:rPr lang="es-ES_tradnl" sz="2000" dirty="0" err="1">
+                <a:latin typeface="Arial" pitchFamily="34" charset="0"/>
+              </a:rPr>
+              <a:t>range</a:t>
+            </a:r>
+            <a:r>
+              <a:rPr lang="es-ES_tradnl" sz="2000" dirty="0">
+                <a:latin typeface="Arial" pitchFamily="34" charset="0"/>
+              </a:rPr>
+              <a:t>(0, </a:t>
+            </a:r>
+            <a:r>
+              <a:rPr lang="es-ES_tradnl" sz="2000" dirty="0" err="1">
+                <a:latin typeface="Arial" pitchFamily="34" charset="0"/>
+              </a:rPr>
+              <a:t>len</a:t>
+            </a:r>
+            <a:r>
+              <a:rPr lang="es-ES_tradnl" sz="2000" dirty="0">
+                <a:latin typeface="Arial" pitchFamily="34" charset="0"/>
+              </a:rPr>
+              <a:t>(cadena)):</a:t>
             </a:r>
           </a:p>
           <a:p>
@@ -14986,59 +15010,10 @@
               </a:lnSpc>
             </a:pPr>
             <a:r>
-              <a:rPr lang="es-ES_tradnl" sz="2000" dirty="0">
+              <a:rPr lang="es-ES_tradnl" sz="2000">
                 <a:latin typeface="Arial" pitchFamily="34" charset="0"/>
               </a:rPr>
-              <a:t>    </a:t>
-            </a:r>
-            <a:r>
-              <a:rPr lang="es-ES_tradnl" sz="2000" dirty="0" err="1">
-                <a:latin typeface="Arial" pitchFamily="34" charset="0"/>
-              </a:rPr>
-              <a:t>for</a:t>
-            </a:r>
-            <a:r>
-              <a:rPr lang="es-ES_tradnl" sz="2000" dirty="0">
-                <a:latin typeface="Arial" pitchFamily="34" charset="0"/>
-              </a:rPr>
-              <a:t> i in </a:t>
-            </a:r>
-            <a:r>
-              <a:rPr lang="es-ES_tradnl" sz="2000" dirty="0" err="1">
-                <a:latin typeface="Arial" pitchFamily="34" charset="0"/>
-              </a:rPr>
-              <a:t>range</a:t>
-            </a:r>
-            <a:r>
-              <a:rPr lang="es-ES_tradnl" sz="2000" dirty="0">
-                <a:latin typeface="Arial" pitchFamily="34" charset="0"/>
-              </a:rPr>
-              <a:t>(0, </a:t>
-            </a:r>
-            <a:r>
-              <a:rPr lang="es-ES_tradnl" sz="2000" dirty="0" err="1">
-                <a:latin typeface="Arial" pitchFamily="34" charset="0"/>
-              </a:rPr>
-              <a:t>len</a:t>
-            </a:r>
-            <a:r>
-              <a:rPr lang="es-ES_tradnl" sz="2000" dirty="0">
-                <a:latin typeface="Arial" pitchFamily="34" charset="0"/>
-              </a:rPr>
-              <a:t>(cadena)):</a:t>
-            </a:r>
-          </a:p>
-          <a:p>
-            <a:pPr>
-              <a:lnSpc>
-                <a:spcPts val="3000"/>
-              </a:lnSpc>
-            </a:pPr>
-            <a:r>
-              <a:rPr lang="es-ES_tradnl" sz="2000" dirty="0">
-                <a:latin typeface="Arial" pitchFamily="34" charset="0"/>
-              </a:rPr>
-              <a:t>       </a:t>
+              <a:t>        </a:t>
             </a:r>
             <a:r>
               <a:rPr lang="es-ES_tradnl" sz="2000" dirty="0" err="1">
